--- a/docs/初赛/slide.pptx
+++ b/docs/初赛/slide.pptx
@@ -3225,90 +3225,6 @@
               <a:t>没有显式的任务切换（即没有显式的context_switch函数，而是可能在某一个 await 点切换），且此时一个内核任务对应一个future状态机，所以可以把运行的任务存到相应的future状态机中（通过将要运行的任务作为async 函数的参数或 async 闭包的捕获变量，然后把spawn此future）。</a:t>
             </a:r>
           </a:p>
-          <a:p>
-            <a:pPr lvl="0" indent="0" marL="0">
-              <a:spcBef>
-                <a:spcPts val="3000"/>
-              </a:spcBef>
-              <a:buNone/>
-            </a:pPr>
-            <a:r>
-              <a:rPr b="1"/>
-              <a:t>进程模型：核心理念 - 异步与解耦</a:t>
-            </a:r>
-          </a:p>
-          <a:p>
-            <a:pPr lvl="0"/>
-            <a:r>
-              <a:rPr b="1"/>
-              <a:t>解耦</a:t>
-            </a:r>
-            <a:r>
-              <a:rPr/>
-              <a:t>: </a:t>
-            </a:r>
-            <a:r>
-              <a:rPr b="1"/>
-              <a:t>可调度实体 (Task)</a:t>
-            </a:r>
-            <a:r>
-              <a:rPr/>
-              <a:t> 与 </a:t>
-            </a:r>
-            <a:r>
-              <a:rPr b="1"/>
-              <a:t>进程语义 (ThreadGroup)</a:t>
-            </a:r>
-            <a:r>
-              <a:rPr/>
-              <a:t> 分离。</a:t>
-            </a:r>
-          </a:p>
-          <a:p>
-            <a:pPr lvl="0"/>
-            <a:r>
-              <a:rPr b="1"/>
-              <a:t>异步化</a:t>
-            </a:r>
-            <a:r>
-              <a:rPr/>
-              <a:t>:</a:t>
-            </a:r>
-          </a:p>
-          <a:p>
-            <a:pPr lvl="1"/>
-            <a:r>
-              <a:rPr/>
-              <a:t>内核控制流由 </a:t>
-            </a:r>
-            <a:r>
-              <a:rPr>
-                <a:latin typeface="Courier"/>
-              </a:rPr>
-              <a:t>Future</a:t>
-            </a:r>
-            <a:r>
-              <a:rPr/>
-              <a:t> 状态机隔离与切换。</a:t>
-            </a:r>
-          </a:p>
-          <a:p>
-            <a:pPr lvl="1"/>
-            <a:r>
-              <a:rPr/>
-              <a:t>抛弃了传统的独立内核栈与显式上下文切换 (</a:t>
-            </a:r>
-            <a:r>
-              <a:rPr>
-                <a:latin typeface="Courier"/>
-              </a:rPr>
-              <a:t>context_switch</a:t>
-            </a:r>
-            <a:r>
-              <a:rPr/>
-              <a:t>)。</a:t>
-            </a:r>
-          </a:p>
         </p:txBody>
       </p:sp>
     </p:spTree>
@@ -3356,14 +3272,41 @@
             </a:pPr>
             <a:r>
               <a:rPr b="1"/>
-              <a:t>进程模型：核心理念 - 状态隔离</a:t>
+              <a:t>进程模型：核心理念 - 异步与解耦</a:t>
             </a:r>
           </a:p>
           <a:p>
             <a:pPr lvl="0"/>
             <a:r>
               <a:rPr b="1"/>
-              <a:t>信息与状态分离</a:t>
+              <a:t>解耦</a:t>
+            </a:r>
+            <a:r>
+              <a:rPr/>
+              <a:t>: </a:t>
+            </a:r>
+            <a:r>
+              <a:rPr b="1"/>
+              <a:t>可调度实体 (Task)</a:t>
+            </a:r>
+            <a:r>
+              <a:rPr/>
+              <a:t> 与 </a:t>
+            </a:r>
+            <a:r>
+              <a:rPr b="1"/>
+              <a:t>进程语义 (ThreadGroup)</a:t>
+            </a:r>
+            <a:r>
+              <a:rPr/>
+              <a:t> 分离。</a:t>
+            </a:r>
+          </a:p>
+          <a:p>
+            <a:pPr lvl="0"/>
+            <a:r>
+              <a:rPr b="1"/>
+              <a:t>异步化</a:t>
             </a:r>
             <a:r>
               <a:rPr/>
@@ -3373,23 +3316,35 @@
           <a:p>
             <a:pPr lvl="1"/>
             <a:r>
-              <a:rPr b="1"/>
-              <a:t>信息 (ThreadSharedInfo)</a:t>
-            </a:r>
-            <a:r>
-              <a:rPr/>
-              <a:t>: 对外共享，可被其他任务观测。</a:t>
+              <a:rPr/>
+              <a:t>内核控制流由 </a:t>
+            </a:r>
+            <a:r>
+              <a:rPr>
+                <a:latin typeface="Courier"/>
+              </a:rPr>
+              <a:t>Future</a:t>
+            </a:r>
+            <a:r>
+              <a:rPr/>
+              <a:t> 状态机隔离与切换。</a:t>
             </a:r>
           </a:p>
           <a:p>
             <a:pPr lvl="1"/>
             <a:r>
-              <a:rPr b="1"/>
-              <a:t>状态 (ThreadState)</a:t>
-            </a:r>
-            <a:r>
-              <a:rPr/>
-              <a:t>: 对内私有，仅任务自身访问。</a:t>
+              <a:rPr/>
+              <a:t>抛弃了传统的独立内核栈与显式上下文切换 (</a:t>
+            </a:r>
+            <a:r>
+              <a:rPr>
+                <a:latin typeface="Courier"/>
+              </a:rPr>
+              <a:t>context_switch</a:t>
+            </a:r>
+            <a:r>
+              <a:rPr/>
+              <a:t>)。</a:t>
             </a:r>
           </a:p>
         </p:txBody>
@@ -3400,6 +3355,89 @@
 </file>
 
 <file path=ppt/slides/slide12.xml><?xml version="1.0" encoding="utf-8"?>
+<p:sld xmlns:a="http://schemas.openxmlformats.org/drawingml/2006/main" xmlns:r="http://schemas.openxmlformats.org/officeDocument/2006/relationships" xmlns:p="http://schemas.openxmlformats.org/presentationml/2006/main">
+  <p:cSld>
+    <p:spTree>
+      <p:nvGrpSpPr>
+        <p:cNvPr id="1" name=""/>
+        <p:cNvGrpSpPr/>
+        <p:nvPr/>
+      </p:nvGrpSpPr>
+      <p:grpSpPr>
+        <a:xfrm>
+          <a:off x="0" y="0"/>
+          <a:ext cx="0" cy="0"/>
+          <a:chOff x="0" y="0"/>
+          <a:chExt cx="0" cy="0"/>
+        </a:xfrm>
+      </p:grpSpPr>
+      <p:sp>
+        <p:nvSpPr>
+          <p:cNvPr id="3" name="Content Placeholder 2"/>
+          <p:cNvSpPr>
+            <a:spLocks noGrp="1"/>
+          </p:cNvSpPr>
+          <p:nvPr>
+            <p:ph idx="1"/>
+          </p:nvPr>
+        </p:nvSpPr>
+        <p:spPr/>
+        <p:txBody>
+          <a:bodyPr/>
+          <a:lstStyle/>
+          <a:p>
+            <a:pPr lvl="0" indent="0" marL="0">
+              <a:spcBef>
+                <a:spcPts val="3000"/>
+              </a:spcBef>
+              <a:buNone/>
+            </a:pPr>
+            <a:r>
+              <a:rPr b="1"/>
+              <a:t>进程模型：核心理念 - 状态隔离</a:t>
+            </a:r>
+          </a:p>
+          <a:p>
+            <a:pPr lvl="0"/>
+            <a:r>
+              <a:rPr b="1"/>
+              <a:t>信息与状态分离</a:t>
+            </a:r>
+            <a:r>
+              <a:rPr/>
+              <a:t>:</a:t>
+            </a:r>
+          </a:p>
+          <a:p>
+            <a:pPr lvl="1"/>
+            <a:r>
+              <a:rPr b="1"/>
+              <a:t>信息 (ThreadSharedInfo)</a:t>
+            </a:r>
+            <a:r>
+              <a:rPr/>
+              <a:t>: 对外共享，可被其他任务观测。</a:t>
+            </a:r>
+          </a:p>
+          <a:p>
+            <a:pPr lvl="1"/>
+            <a:r>
+              <a:rPr b="1"/>
+              <a:t>状态 (ThreadState)</a:t>
+            </a:r>
+            <a:r>
+              <a:rPr/>
+              <a:t>: 对内私有，仅任务自身访问。</a:t>
+            </a:r>
+          </a:p>
+        </p:txBody>
+      </p:sp>
+    </p:spTree>
+  </p:cSld>
+</p:sld>
+</file>
+
+<file path=ppt/slides/slide13.xml><?xml version="1.0" encoding="utf-8"?>
 <p:sld xmlns:a="http://schemas.openxmlformats.org/drawingml/2006/main" xmlns:r="http://schemas.openxmlformats.org/officeDocument/2006/relationships" xmlns:p="http://schemas.openxmlformats.org/presentationml/2006/main">
   <p:cSld>
     <p:spTree>
@@ -3608,82 +3646,86 @@
                   </a:txBody>
                 </a:tc>
               </a:tr>
+              <a:tr h="0">
+                <a:tc>
+                  <a:txBody>
+                    <a:bodyPr/>
+                    <a:lstStyle/>
+                    <a:p>
+                      <a:pPr lvl="0" indent="0" marL="0">
+                        <a:buNone/>
+                      </a:pPr>
+                      <a:r>
+                        <a:rPr>
+                          <a:latin typeface="Courier"/>
+                        </a:rPr>
+                        <a:t>ThreadSharedInfo</a:t>
+                      </a:r>
+                    </a:p>
+                  </a:txBody>
+                </a:tc>
+                <a:tc>
+                  <a:txBody>
+                    <a:bodyPr/>
+                    <a:lstStyle/>
+                    <a:p>
+                      <a:pPr lvl="0" indent="0" marL="0">
+                        <a:buNone/>
+                      </a:pPr>
+                      <a:r>
+                        <a:rPr/>
+                        <a:t>记录 TID、亲缘关系、生命周期等可被其他线程观测的</a:t>
+                      </a:r>
+                      <a:r>
+                        <a:rPr b="1"/>
+                        <a:t>共享状态</a:t>
+                      </a:r>
+                      <a:r>
+                        <a:rPr/>
+                        <a:t>。</a:t>
+                      </a:r>
+                    </a:p>
+                  </a:txBody>
+                </a:tc>
+              </a:tr>
+              <a:tr h="0">
+                <a:tc>
+                  <a:txBody>
+                    <a:bodyPr/>
+                    <a:lstStyle/>
+                    <a:p>
+                      <a:pPr lvl="0" indent="0" marL="0">
+                        <a:buNone/>
+                      </a:pPr>
+                      <a:r>
+                        <a:rPr>
+                          <a:latin typeface="Courier"/>
+                        </a:rPr>
+                        <a:t>Lifecycle</a:t>
+                      </a:r>
+                    </a:p>
+                  </a:txBody>
+                </a:tc>
+                <a:tc>
+                  <a:txBody>
+                    <a:bodyPr/>
+                    <a:lstStyle/>
+                    <a:p>
+                      <a:pPr lvl="0" indent="0" marL="0">
+                        <a:buNone/>
+                      </a:pPr>
+                      <a:r>
+                        <a:rPr/>
+                        <a:t>原子状态机，管理线程生命周期（如 Running, Zombie）与退出等待。</a:t>
+                      </a:r>
+                    </a:p>
+                  </a:txBody>
+                </a:tc>
+              </a:tr>
             </a:tbl>
           </a:graphicData>
         </a:graphic>
       </p:graphicFrame>
-    </p:spTree>
-  </p:cSld>
-</p:sld>
-</file>
-
-<file path=ppt/slides/slide13.xml><?xml version="1.0" encoding="utf-8"?>
-<p:sld xmlns:a="http://schemas.openxmlformats.org/drawingml/2006/main" xmlns:r="http://schemas.openxmlformats.org/officeDocument/2006/relationships" xmlns:p="http://schemas.openxmlformats.org/presentationml/2006/main">
-  <p:cSld>
-    <p:spTree>
-      <p:nvGrpSpPr>
-        <p:cNvPr id="1" name=""/>
-        <p:cNvGrpSpPr/>
-        <p:nvPr/>
-      </p:nvGrpSpPr>
-      <p:grpSpPr>
-        <a:xfrm>
-          <a:off x="0" y="0"/>
-          <a:ext cx="0" cy="0"/>
-          <a:chOff x="0" y="0"/>
-          <a:chExt cx="0" cy="0"/>
-        </a:xfrm>
-      </p:grpSpPr>
-      <p:sp>
-        <p:nvSpPr>
-          <p:cNvPr id="3" name="Content Placeholder 2"/>
-          <p:cNvSpPr>
-            <a:spLocks noGrp="1"/>
-          </p:cNvSpPr>
-          <p:nvPr>
-            <p:ph idx="1"/>
-          </p:nvPr>
-        </p:nvSpPr>
-        <p:spPr/>
-        <p:txBody>
-          <a:bodyPr/>
-          <a:lstStyle/>
-          <a:p>
-            <a:pPr lvl="0" indent="0" marL="0">
-              <a:buNone/>
-            </a:pPr>
-            <a:r>
-              <a:rPr>
-                <a:latin typeface="Courier"/>
-              </a:rPr>
-              <a:t>ThreadSharedInfo</a:t>
-            </a:r>
-            <a:r>
-              <a:rPr/>
-              <a:t> | 记录 TID、亲缘关系、生命周期等可被其他线程观测的</a:t>
-            </a:r>
-            <a:r>
-              <a:rPr b="1"/>
-              <a:t>共享状态</a:t>
-            </a:r>
-            <a:r>
-              <a:rPr/>
-              <a:t>。|</a:t>
-            </a:r>
-            <a:br/>
-            <a:r>
-              <a:rPr>
-                <a:latin typeface="Courier"/>
-              </a:rPr>
-              <a:t>Lifecycle</a:t>
-            </a:r>
-            <a:r>
-              <a:rPr/>
-              <a:t> | 原子状态机，管理线程生命周期（如 Running, Zombie）与退出等待。 |</a:t>
-            </a:r>
-          </a:p>
-        </p:txBody>
-      </p:sp>
     </p:spTree>
   </p:cSld>
 </p:sld>
